--- a/img/composites.pptx
+++ b/img/composites.pptx
@@ -9,6 +9,9 @@
     <p:sldId id="257" r:id="rId3"/>
     <p:sldId id="258" r:id="rId4"/>
     <p:sldId id="259" r:id="rId5"/>
+    <p:sldId id="260" r:id="rId6"/>
+    <p:sldId id="261" r:id="rId7"/>
+    <p:sldId id="262" r:id="rId8"/>
   </p:sldIdLst>
   <p:sldSz cx="12192000" cy="6858000"/>
   <p:notesSz cx="6858000" cy="9144000"/>
@@ -273,7 +276,7 @@
           <a:p>
             <a:fld id="{11ED50E4-E47E-4F6D-B6A2-4AE8482F8858}" type="datetimeFigureOut">
               <a:rPr lang="en-US" smtClean="0"/>
-              <a:t>1/2/2018</a:t>
+              <a:t>1/19/2018</a:t>
             </a:fld>
             <a:endParaRPr lang="en-US"/>
           </a:p>
@@ -471,7 +474,7 @@
           <a:p>
             <a:fld id="{11ED50E4-E47E-4F6D-B6A2-4AE8482F8858}" type="datetimeFigureOut">
               <a:rPr lang="en-US" smtClean="0"/>
-              <a:t>1/2/2018</a:t>
+              <a:t>1/19/2018</a:t>
             </a:fld>
             <a:endParaRPr lang="en-US"/>
           </a:p>
@@ -679,7 +682,7 @@
           <a:p>
             <a:fld id="{11ED50E4-E47E-4F6D-B6A2-4AE8482F8858}" type="datetimeFigureOut">
               <a:rPr lang="en-US" smtClean="0"/>
-              <a:t>1/2/2018</a:t>
+              <a:t>1/19/2018</a:t>
             </a:fld>
             <a:endParaRPr lang="en-US"/>
           </a:p>
@@ -877,7 +880,7 @@
           <a:p>
             <a:fld id="{11ED50E4-E47E-4F6D-B6A2-4AE8482F8858}" type="datetimeFigureOut">
               <a:rPr lang="en-US" smtClean="0"/>
-              <a:t>1/2/2018</a:t>
+              <a:t>1/19/2018</a:t>
             </a:fld>
             <a:endParaRPr lang="en-US"/>
           </a:p>
@@ -1152,7 +1155,7 @@
           <a:p>
             <a:fld id="{11ED50E4-E47E-4F6D-B6A2-4AE8482F8858}" type="datetimeFigureOut">
               <a:rPr lang="en-US" smtClean="0"/>
-              <a:t>1/2/2018</a:t>
+              <a:t>1/19/2018</a:t>
             </a:fld>
             <a:endParaRPr lang="en-US"/>
           </a:p>
@@ -1417,7 +1420,7 @@
           <a:p>
             <a:fld id="{11ED50E4-E47E-4F6D-B6A2-4AE8482F8858}" type="datetimeFigureOut">
               <a:rPr lang="en-US" smtClean="0"/>
-              <a:t>1/2/2018</a:t>
+              <a:t>1/19/2018</a:t>
             </a:fld>
             <a:endParaRPr lang="en-US"/>
           </a:p>
@@ -1829,7 +1832,7 @@
           <a:p>
             <a:fld id="{11ED50E4-E47E-4F6D-B6A2-4AE8482F8858}" type="datetimeFigureOut">
               <a:rPr lang="en-US" smtClean="0"/>
-              <a:t>1/2/2018</a:t>
+              <a:t>1/19/2018</a:t>
             </a:fld>
             <a:endParaRPr lang="en-US"/>
           </a:p>
@@ -1970,7 +1973,7 @@
           <a:p>
             <a:fld id="{11ED50E4-E47E-4F6D-B6A2-4AE8482F8858}" type="datetimeFigureOut">
               <a:rPr lang="en-US" smtClean="0"/>
-              <a:t>1/2/2018</a:t>
+              <a:t>1/19/2018</a:t>
             </a:fld>
             <a:endParaRPr lang="en-US"/>
           </a:p>
@@ -2083,7 +2086,7 @@
           <a:p>
             <a:fld id="{11ED50E4-E47E-4F6D-B6A2-4AE8482F8858}" type="datetimeFigureOut">
               <a:rPr lang="en-US" smtClean="0"/>
-              <a:t>1/2/2018</a:t>
+              <a:t>1/19/2018</a:t>
             </a:fld>
             <a:endParaRPr lang="en-US"/>
           </a:p>
@@ -2394,7 +2397,7 @@
           <a:p>
             <a:fld id="{11ED50E4-E47E-4F6D-B6A2-4AE8482F8858}" type="datetimeFigureOut">
               <a:rPr lang="en-US" smtClean="0"/>
-              <a:t>1/2/2018</a:t>
+              <a:t>1/19/2018</a:t>
             </a:fld>
             <a:endParaRPr lang="en-US"/>
           </a:p>
@@ -2682,7 +2685,7 @@
           <a:p>
             <a:fld id="{11ED50E4-E47E-4F6D-B6A2-4AE8482F8858}" type="datetimeFigureOut">
               <a:rPr lang="en-US" smtClean="0"/>
-              <a:t>1/2/2018</a:t>
+              <a:t>1/19/2018</a:t>
             </a:fld>
             <a:endParaRPr lang="en-US"/>
           </a:p>
@@ -2923,7 +2926,7 @@
           <a:p>
             <a:fld id="{11ED50E4-E47E-4F6D-B6A2-4AE8482F8858}" type="datetimeFigureOut">
               <a:rPr lang="en-US" smtClean="0"/>
-              <a:t>1/2/2018</a:t>
+              <a:t>1/19/2018</a:t>
             </a:fld>
             <a:endParaRPr lang="en-US"/>
           </a:p>
@@ -4362,6 +4365,128 @@
           </a:fontRef>
         </p:style>
       </p:cxnSp>
+      <p:sp>
+        <p:nvSpPr>
+          <p:cNvPr id="27" name="TextBox 26">
+            <a:extLst>
+              <a:ext uri="{FF2B5EF4-FFF2-40B4-BE49-F238E27FC236}">
+                <a16:creationId xmlns:a16="http://schemas.microsoft.com/office/drawing/2014/main" id="{0CF55BBF-68AE-4FC7-B96A-9CC09C0F7219}"/>
+              </a:ext>
+            </a:extLst>
+          </p:cNvPr>
+          <p:cNvSpPr txBox="1"/>
+          <p:nvPr/>
+        </p:nvSpPr>
+        <p:spPr>
+          <a:xfrm>
+            <a:off x="4153090" y="3786342"/>
+            <a:ext cx="612155" cy="369332"/>
+          </a:xfrm>
+          <a:prstGeom prst="rect">
+            <a:avLst/>
+          </a:prstGeom>
+          <a:noFill/>
+        </p:spPr>
+        <p:txBody>
+          <a:bodyPr wrap="none" rtlCol="0">
+            <a:spAutoFit/>
+          </a:bodyPr>
+          <a:lstStyle/>
+          <a:p>
+            <a:r>
+              <a:rPr lang="en-US" dirty="0">
+                <a:solidFill>
+                  <a:schemeClr val="accent2"/>
+                </a:solidFill>
+              </a:rPr>
+              <a:t>STVs</a:t>
+            </a:r>
+          </a:p>
+        </p:txBody>
+      </p:sp>
+      <p:cxnSp>
+        <p:nvCxnSpPr>
+          <p:cNvPr id="29" name="Straight Arrow Connector 28">
+            <a:extLst>
+              <a:ext uri="{FF2B5EF4-FFF2-40B4-BE49-F238E27FC236}">
+                <a16:creationId xmlns:a16="http://schemas.microsoft.com/office/drawing/2014/main" id="{251C05AE-03D7-4A4C-B678-FADA3E10D4B9}"/>
+              </a:ext>
+            </a:extLst>
+          </p:cNvPr>
+          <p:cNvCxnSpPr>
+            <a:cxnSpLocks/>
+            <a:stCxn id="27" idx="0"/>
+          </p:cNvCxnSpPr>
+          <p:nvPr/>
+        </p:nvCxnSpPr>
+        <p:spPr>
+          <a:xfrm>
+            <a:off x="4459168" y="3786342"/>
+            <a:ext cx="615448" cy="75194"/>
+          </a:xfrm>
+          <a:prstGeom prst="straightConnector1">
+            <a:avLst/>
+          </a:prstGeom>
+          <a:ln>
+            <a:tailEnd type="triangle"/>
+          </a:ln>
+        </p:spPr>
+        <p:style>
+          <a:lnRef idx="3">
+            <a:schemeClr val="accent2"/>
+          </a:lnRef>
+          <a:fillRef idx="0">
+            <a:schemeClr val="accent2"/>
+          </a:fillRef>
+          <a:effectRef idx="2">
+            <a:schemeClr val="accent2"/>
+          </a:effectRef>
+          <a:fontRef idx="minor">
+            <a:schemeClr val="tx1"/>
+          </a:fontRef>
+        </p:style>
+      </p:cxnSp>
+      <p:cxnSp>
+        <p:nvCxnSpPr>
+          <p:cNvPr id="31" name="Straight Arrow Connector 30">
+            <a:extLst>
+              <a:ext uri="{FF2B5EF4-FFF2-40B4-BE49-F238E27FC236}">
+                <a16:creationId xmlns:a16="http://schemas.microsoft.com/office/drawing/2014/main" id="{8B49FC0A-9784-44C7-A779-F11A7196C45B}"/>
+              </a:ext>
+            </a:extLst>
+          </p:cNvPr>
+          <p:cNvCxnSpPr>
+            <a:stCxn id="27" idx="0"/>
+          </p:cNvCxnSpPr>
+          <p:nvPr/>
+        </p:nvCxnSpPr>
+        <p:spPr>
+          <a:xfrm>
+            <a:off x="4459168" y="3786342"/>
+            <a:ext cx="730506" cy="259860"/>
+          </a:xfrm>
+          <a:prstGeom prst="straightConnector1">
+            <a:avLst/>
+          </a:prstGeom>
+          <a:ln>
+            <a:tailEnd type="triangle"/>
+          </a:ln>
+        </p:spPr>
+        <p:style>
+          <a:lnRef idx="3">
+            <a:schemeClr val="accent2"/>
+          </a:lnRef>
+          <a:fillRef idx="0">
+            <a:schemeClr val="accent2"/>
+          </a:fillRef>
+          <a:effectRef idx="2">
+            <a:schemeClr val="accent2"/>
+          </a:effectRef>
+          <a:fontRef idx="minor">
+            <a:schemeClr val="tx1"/>
+          </a:fontRef>
+        </p:style>
+      </p:cxnSp>
     </p:spTree>
     <p:extLst>
       <p:ext uri="{BB962C8B-B14F-4D97-AF65-F5344CB8AC3E}">
@@ -4790,7 +4915,8 @@
           <a:prstGeom prst="straightConnector1">
             <a:avLst/>
           </a:prstGeom>
-          <a:ln>
+          <a:ln w="28575">
+            <a:prstDash val="sysDot"/>
             <a:tailEnd type="triangle"/>
           </a:ln>
         </p:spPr>
@@ -4964,7 +5090,8 @@
           <a:prstGeom prst="straightConnector1">
             <a:avLst/>
           </a:prstGeom>
-          <a:ln>
+          <a:ln w="28575">
+            <a:prstDash val="sysDot"/>
             <a:tailEnd type="triangle"/>
           </a:ln>
         </p:spPr>
@@ -5006,7 +5133,8 @@
           <a:prstGeom prst="straightConnector1">
             <a:avLst/>
           </a:prstGeom>
-          <a:ln>
+          <a:ln w="28575">
+            <a:prstDash val="sysDot"/>
             <a:tailEnd type="triangle"/>
           </a:ln>
         </p:spPr>
@@ -5048,7 +5176,8 @@
           <a:prstGeom prst="straightConnector1">
             <a:avLst/>
           </a:prstGeom>
-          <a:ln>
+          <a:ln w="28575">
+            <a:prstDash val="sysDot"/>
             <a:tailEnd type="triangle"/>
           </a:ln>
         </p:spPr>
@@ -5274,10 +5403,10 @@
       </p:sp>
       <p:sp>
         <p:nvSpPr>
-          <p:cNvPr id="30" name="Oval 29">
-            <a:extLst>
-              <a:ext uri="{FF2B5EF4-FFF2-40B4-BE49-F238E27FC236}">
-                <a16:creationId xmlns:a16="http://schemas.microsoft.com/office/drawing/2014/main" id="{F47CB36A-5129-4057-8FB1-4F29CE094BFA}"/>
+          <p:cNvPr id="31" name="Oval 30">
+            <a:extLst>
+              <a:ext uri="{FF2B5EF4-FFF2-40B4-BE49-F238E27FC236}">
+                <a16:creationId xmlns:a16="http://schemas.microsoft.com/office/drawing/2014/main" id="{30638C46-BC1C-45EA-A0DF-048892979175}"/>
               </a:ext>
             </a:extLst>
           </p:cNvPr>
@@ -5286,8 +5415,8 @@
         </p:nvSpPr>
         <p:spPr>
           <a:xfrm>
-            <a:off x="3471670" y="3304028"/>
-            <a:ext cx="130629" cy="130629"/>
+            <a:off x="4291622" y="3004491"/>
+            <a:ext cx="100941" cy="100941"/>
           </a:xfrm>
           <a:prstGeom prst="ellipse">
             <a:avLst/>
@@ -5326,10 +5455,10 @@
       </p:sp>
       <p:sp>
         <p:nvSpPr>
-          <p:cNvPr id="31" name="Oval 30">
-            <a:extLst>
-              <a:ext uri="{FF2B5EF4-FFF2-40B4-BE49-F238E27FC236}">
-                <a16:creationId xmlns:a16="http://schemas.microsoft.com/office/drawing/2014/main" id="{30638C46-BC1C-45EA-A0DF-048892979175}"/>
+          <p:cNvPr id="32" name="Oval 31">
+            <a:extLst>
+              <a:ext uri="{FF2B5EF4-FFF2-40B4-BE49-F238E27FC236}">
+                <a16:creationId xmlns:a16="http://schemas.microsoft.com/office/drawing/2014/main" id="{7178CE4D-F163-438B-88F0-71AA629885EA}"/>
               </a:ext>
             </a:extLst>
           </p:cNvPr>
@@ -5338,8 +5467,8 @@
         </p:nvSpPr>
         <p:spPr>
           <a:xfrm>
-            <a:off x="4291622" y="3004491"/>
-            <a:ext cx="100941" cy="100941"/>
+            <a:off x="3839166" y="3584883"/>
+            <a:ext cx="130629" cy="130629"/>
           </a:xfrm>
           <a:prstGeom prst="ellipse">
             <a:avLst/>
@@ -5376,12 +5505,632 @@
           </a:p>
         </p:txBody>
       </p:sp>
-      <p:sp>
-        <p:nvSpPr>
-          <p:cNvPr id="32" name="Oval 31">
-            <a:extLst>
-              <a:ext uri="{FF2B5EF4-FFF2-40B4-BE49-F238E27FC236}">
-                <a16:creationId xmlns:a16="http://schemas.microsoft.com/office/drawing/2014/main" id="{7178CE4D-F163-438B-88F0-71AA629885EA}"/>
+      <p:cxnSp>
+        <p:nvCxnSpPr>
+          <p:cNvPr id="34" name="Straight Connector 33">
+            <a:extLst>
+              <a:ext uri="{FF2B5EF4-FFF2-40B4-BE49-F238E27FC236}">
+                <a16:creationId xmlns:a16="http://schemas.microsoft.com/office/drawing/2014/main" id="{B63A5112-889F-49CF-A897-444C8122BE5D}"/>
+              </a:ext>
+            </a:extLst>
+          </p:cNvPr>
+          <p:cNvCxnSpPr>
+            <a:cxnSpLocks/>
+          </p:cNvCxnSpPr>
+          <p:nvPr/>
+        </p:nvCxnSpPr>
+        <p:spPr>
+          <a:xfrm>
+            <a:off x="4392563" y="3594503"/>
+            <a:ext cx="1025909" cy="15195"/>
+          </a:xfrm>
+          <a:prstGeom prst="line">
+            <a:avLst/>
+          </a:prstGeom>
+        </p:spPr>
+        <p:style>
+          <a:lnRef idx="3">
+            <a:schemeClr val="dk1"/>
+          </a:lnRef>
+          <a:fillRef idx="0">
+            <a:schemeClr val="dk1"/>
+          </a:fillRef>
+          <a:effectRef idx="2">
+            <a:schemeClr val="dk1"/>
+          </a:effectRef>
+          <a:fontRef idx="minor">
+            <a:schemeClr val="tx1"/>
+          </a:fontRef>
+        </p:style>
+      </p:cxnSp>
+      <p:sp>
+        <p:nvSpPr>
+          <p:cNvPr id="35" name="TextBox 34">
+            <a:extLst>
+              <a:ext uri="{FF2B5EF4-FFF2-40B4-BE49-F238E27FC236}">
+                <a16:creationId xmlns:a16="http://schemas.microsoft.com/office/drawing/2014/main" id="{5137AC69-B0F4-48EB-906B-C5A7D9FFB44B}"/>
+              </a:ext>
+            </a:extLst>
+          </p:cNvPr>
+          <p:cNvSpPr txBox="1"/>
+          <p:nvPr/>
+        </p:nvSpPr>
+        <p:spPr>
+          <a:xfrm>
+            <a:off x="5419775" y="3425512"/>
+            <a:ext cx="561885" cy="369332"/>
+          </a:xfrm>
+          <a:prstGeom prst="rect">
+            <a:avLst/>
+          </a:prstGeom>
+          <a:noFill/>
+        </p:spPr>
+        <p:txBody>
+          <a:bodyPr wrap="none" rtlCol="0">
+            <a:spAutoFit/>
+          </a:bodyPr>
+          <a:lstStyle/>
+          <a:p>
+            <a:r>
+              <a:rPr lang="en-US" dirty="0"/>
+              <a:t>SDV</a:t>
+            </a:r>
+          </a:p>
+        </p:txBody>
+      </p:sp>
+      <p:cxnSp>
+        <p:nvCxnSpPr>
+          <p:cNvPr id="37" name="Straight Connector 36">
+            <a:extLst>
+              <a:ext uri="{FF2B5EF4-FFF2-40B4-BE49-F238E27FC236}">
+                <a16:creationId xmlns:a16="http://schemas.microsoft.com/office/drawing/2014/main" id="{24F0D56B-01E6-44DA-AD01-D4F0D28EDFD1}"/>
+              </a:ext>
+            </a:extLst>
+          </p:cNvPr>
+          <p:cNvCxnSpPr>
+            <a:cxnSpLocks/>
+          </p:cNvCxnSpPr>
+          <p:nvPr/>
+        </p:nvCxnSpPr>
+        <p:spPr>
+          <a:xfrm>
+            <a:off x="4606136" y="2285999"/>
+            <a:ext cx="812336" cy="0"/>
+          </a:xfrm>
+          <a:prstGeom prst="line">
+            <a:avLst/>
+          </a:prstGeom>
+        </p:spPr>
+        <p:style>
+          <a:lnRef idx="3">
+            <a:schemeClr val="dk1"/>
+          </a:lnRef>
+          <a:fillRef idx="0">
+            <a:schemeClr val="dk1"/>
+          </a:fillRef>
+          <a:effectRef idx="2">
+            <a:schemeClr val="dk1"/>
+          </a:effectRef>
+          <a:fontRef idx="minor">
+            <a:schemeClr val="tx1"/>
+          </a:fontRef>
+        </p:style>
+      </p:cxnSp>
+      <p:sp>
+        <p:nvSpPr>
+          <p:cNvPr id="40" name="TextBox 39">
+            <a:extLst>
+              <a:ext uri="{FF2B5EF4-FFF2-40B4-BE49-F238E27FC236}">
+                <a16:creationId xmlns:a16="http://schemas.microsoft.com/office/drawing/2014/main" id="{E8E2F76B-0523-4243-A65F-4F8970EA5220}"/>
+              </a:ext>
+            </a:extLst>
+          </p:cNvPr>
+          <p:cNvSpPr txBox="1"/>
+          <p:nvPr/>
+        </p:nvSpPr>
+        <p:spPr>
+          <a:xfrm>
+            <a:off x="5423254" y="2099112"/>
+            <a:ext cx="1285480" cy="369332"/>
+          </a:xfrm>
+          <a:prstGeom prst="rect">
+            <a:avLst/>
+          </a:prstGeom>
+          <a:noFill/>
+        </p:spPr>
+        <p:txBody>
+          <a:bodyPr wrap="none" rtlCol="0">
+            <a:spAutoFit/>
+          </a:bodyPr>
+          <a:lstStyle/>
+          <a:p>
+            <a:r>
+              <a:rPr lang="en-US" dirty="0"/>
+              <a:t>SDV growth</a:t>
+            </a:r>
+          </a:p>
+        </p:txBody>
+      </p:sp>
+      <p:cxnSp>
+        <p:nvCxnSpPr>
+          <p:cNvPr id="46" name="Straight Connector 45">
+            <a:extLst>
+              <a:ext uri="{FF2B5EF4-FFF2-40B4-BE49-F238E27FC236}">
+                <a16:creationId xmlns:a16="http://schemas.microsoft.com/office/drawing/2014/main" id="{951FCE05-D662-4BD6-A9C5-29A8AEAB9B42}"/>
+              </a:ext>
+            </a:extLst>
+          </p:cNvPr>
+          <p:cNvCxnSpPr>
+            <a:cxnSpLocks/>
+          </p:cNvCxnSpPr>
+          <p:nvPr/>
+        </p:nvCxnSpPr>
+        <p:spPr>
+          <a:xfrm>
+            <a:off x="4606136" y="3022745"/>
+            <a:ext cx="775761" cy="13063"/>
+          </a:xfrm>
+          <a:prstGeom prst="line">
+            <a:avLst/>
+          </a:prstGeom>
+        </p:spPr>
+        <p:style>
+          <a:lnRef idx="3">
+            <a:schemeClr val="dk1"/>
+          </a:lnRef>
+          <a:fillRef idx="0">
+            <a:schemeClr val="dk1"/>
+          </a:fillRef>
+          <a:effectRef idx="2">
+            <a:schemeClr val="dk1"/>
+          </a:effectRef>
+          <a:fontRef idx="minor">
+            <a:schemeClr val="tx1"/>
+          </a:fontRef>
+        </p:style>
+      </p:cxnSp>
+      <p:sp>
+        <p:nvSpPr>
+          <p:cNvPr id="48" name="TextBox 47">
+            <a:extLst>
+              <a:ext uri="{FF2B5EF4-FFF2-40B4-BE49-F238E27FC236}">
+                <a16:creationId xmlns:a16="http://schemas.microsoft.com/office/drawing/2014/main" id="{A3907337-B352-4B6D-8AEC-39E7F69DF9E9}"/>
+              </a:ext>
+            </a:extLst>
+          </p:cNvPr>
+          <p:cNvSpPr txBox="1"/>
+          <p:nvPr/>
+        </p:nvSpPr>
+        <p:spPr>
+          <a:xfrm>
+            <a:off x="5439375" y="2851186"/>
+            <a:ext cx="1767215" cy="369332"/>
+          </a:xfrm>
+          <a:prstGeom prst="rect">
+            <a:avLst/>
+          </a:prstGeom>
+          <a:noFill/>
+        </p:spPr>
+        <p:txBody>
+          <a:bodyPr wrap="none" rtlCol="0">
+            <a:spAutoFit/>
+          </a:bodyPr>
+          <a:lstStyle/>
+          <a:p>
+            <a:r>
+              <a:rPr lang="en-US" dirty="0"/>
+              <a:t>STV/Microtubule</a:t>
+            </a:r>
+          </a:p>
+        </p:txBody>
+      </p:sp>
+      <p:cxnSp>
+        <p:nvCxnSpPr>
+          <p:cNvPr id="50" name="Straight Connector 49">
+            <a:extLst>
+              <a:ext uri="{FF2B5EF4-FFF2-40B4-BE49-F238E27FC236}">
+                <a16:creationId xmlns:a16="http://schemas.microsoft.com/office/drawing/2014/main" id="{A5EB2C79-E472-490F-A867-26D23BBA3D36}"/>
+              </a:ext>
+            </a:extLst>
+          </p:cNvPr>
+          <p:cNvCxnSpPr>
+            <a:cxnSpLocks/>
+            <a:stCxn id="4" idx="7"/>
+          </p:cNvCxnSpPr>
+          <p:nvPr/>
+        </p:nvCxnSpPr>
+        <p:spPr>
+          <a:xfrm>
+            <a:off x="4750172" y="1631678"/>
+            <a:ext cx="631725" cy="10753"/>
+          </a:xfrm>
+          <a:prstGeom prst="line">
+            <a:avLst/>
+          </a:prstGeom>
+        </p:spPr>
+        <p:style>
+          <a:lnRef idx="3">
+            <a:schemeClr val="dk1"/>
+          </a:lnRef>
+          <a:fillRef idx="0">
+            <a:schemeClr val="dk1"/>
+          </a:fillRef>
+          <a:effectRef idx="2">
+            <a:schemeClr val="dk1"/>
+          </a:effectRef>
+          <a:fontRef idx="minor">
+            <a:schemeClr val="tx1"/>
+          </a:fontRef>
+        </p:style>
+      </p:cxnSp>
+      <p:sp>
+        <p:nvSpPr>
+          <p:cNvPr id="52" name="TextBox 51">
+            <a:extLst>
+              <a:ext uri="{FF2B5EF4-FFF2-40B4-BE49-F238E27FC236}">
+                <a16:creationId xmlns:a16="http://schemas.microsoft.com/office/drawing/2014/main" id="{6F122F04-DC40-4496-9F1C-9F62FF61CA79}"/>
+              </a:ext>
+            </a:extLst>
+          </p:cNvPr>
+          <p:cNvSpPr txBox="1"/>
+          <p:nvPr/>
+        </p:nvSpPr>
+        <p:spPr>
+          <a:xfrm>
+            <a:off x="5408022" y="1464779"/>
+            <a:ext cx="992259" cy="369332"/>
+          </a:xfrm>
+          <a:prstGeom prst="rect">
+            <a:avLst/>
+          </a:prstGeom>
+          <a:noFill/>
+        </p:spPr>
+        <p:txBody>
+          <a:bodyPr wrap="none" rtlCol="0">
+            <a:spAutoFit/>
+          </a:bodyPr>
+          <a:lstStyle/>
+          <a:p>
+            <a:r>
+              <a:rPr lang="en-US" dirty="0"/>
+              <a:t>Epitheca</a:t>
+            </a:r>
+          </a:p>
+        </p:txBody>
+      </p:sp>
+      <p:cxnSp>
+        <p:nvCxnSpPr>
+          <p:cNvPr id="54" name="Straight Connector 53">
+            <a:extLst>
+              <a:ext uri="{FF2B5EF4-FFF2-40B4-BE49-F238E27FC236}">
+                <a16:creationId xmlns:a16="http://schemas.microsoft.com/office/drawing/2014/main" id="{07913011-8977-4FB1-8F94-48F797A3C74B}"/>
+              </a:ext>
+            </a:extLst>
+          </p:cNvPr>
+          <p:cNvCxnSpPr>
+            <a:cxnSpLocks/>
+          </p:cNvCxnSpPr>
+          <p:nvPr/>
+        </p:nvCxnSpPr>
+        <p:spPr>
+          <a:xfrm flipH="1" flipV="1">
+            <a:off x="2455817" y="2583834"/>
+            <a:ext cx="1444309" cy="18290"/>
+          </a:xfrm>
+          <a:prstGeom prst="line">
+            <a:avLst/>
+          </a:prstGeom>
+        </p:spPr>
+        <p:style>
+          <a:lnRef idx="3">
+            <a:schemeClr val="dk1"/>
+          </a:lnRef>
+          <a:fillRef idx="0">
+            <a:schemeClr val="dk1"/>
+          </a:fillRef>
+          <a:effectRef idx="2">
+            <a:schemeClr val="dk1"/>
+          </a:effectRef>
+          <a:fontRef idx="minor">
+            <a:schemeClr val="tx1"/>
+          </a:fontRef>
+        </p:style>
+      </p:cxnSp>
+      <p:sp>
+        <p:nvSpPr>
+          <p:cNvPr id="56" name="TextBox 55">
+            <a:extLst>
+              <a:ext uri="{FF2B5EF4-FFF2-40B4-BE49-F238E27FC236}">
+                <a16:creationId xmlns:a16="http://schemas.microsoft.com/office/drawing/2014/main" id="{21C21316-1EEB-4195-B03C-870971FDA556}"/>
+              </a:ext>
+            </a:extLst>
+          </p:cNvPr>
+          <p:cNvSpPr txBox="1"/>
+          <p:nvPr/>
+        </p:nvSpPr>
+        <p:spPr>
+          <a:xfrm>
+            <a:off x="1009318" y="2382944"/>
+            <a:ext cx="1640553" cy="646331"/>
+          </a:xfrm>
+          <a:prstGeom prst="rect">
+            <a:avLst/>
+          </a:prstGeom>
+          <a:noFill/>
+        </p:spPr>
+        <p:txBody>
+          <a:bodyPr wrap="square" rtlCol="0">
+            <a:spAutoFit/>
+          </a:bodyPr>
+          <a:lstStyle/>
+          <a:p>
+            <a:r>
+              <a:rPr lang="en-US" dirty="0" smtClean="0"/>
+              <a:t>Raphe + initial silica</a:t>
+            </a:r>
+            <a:endParaRPr lang="en-US" dirty="0"/>
+          </a:p>
+        </p:txBody>
+      </p:sp>
+      <p:cxnSp>
+        <p:nvCxnSpPr>
+          <p:cNvPr id="58" name="Straight Connector 57">
+            <a:extLst>
+              <a:ext uri="{FF2B5EF4-FFF2-40B4-BE49-F238E27FC236}">
+                <a16:creationId xmlns:a16="http://schemas.microsoft.com/office/drawing/2014/main" id="{C633E1D6-4BC6-4F59-A665-91413C13A2CC}"/>
+              </a:ext>
+            </a:extLst>
+          </p:cNvPr>
+          <p:cNvCxnSpPr>
+            <a:cxnSpLocks/>
+            <a:stCxn id="32" idx="2"/>
+          </p:cNvCxnSpPr>
+          <p:nvPr/>
+        </p:nvCxnSpPr>
+        <p:spPr>
+          <a:xfrm flipH="1" flipV="1">
+            <a:off x="2452404" y="3650197"/>
+            <a:ext cx="1386762" cy="1"/>
+          </a:xfrm>
+          <a:prstGeom prst="line">
+            <a:avLst/>
+          </a:prstGeom>
+        </p:spPr>
+        <p:style>
+          <a:lnRef idx="3">
+            <a:schemeClr val="dk1"/>
+          </a:lnRef>
+          <a:fillRef idx="0">
+            <a:schemeClr val="dk1"/>
+          </a:fillRef>
+          <a:effectRef idx="2">
+            <a:schemeClr val="dk1"/>
+          </a:effectRef>
+          <a:fontRef idx="minor">
+            <a:schemeClr val="tx1"/>
+          </a:fontRef>
+        </p:style>
+      </p:cxnSp>
+      <p:sp>
+        <p:nvSpPr>
+          <p:cNvPr id="59" name="TextBox 58">
+            <a:extLst>
+              <a:ext uri="{FF2B5EF4-FFF2-40B4-BE49-F238E27FC236}">
+                <a16:creationId xmlns:a16="http://schemas.microsoft.com/office/drawing/2014/main" id="{8B82F21B-05C9-4A73-AD0B-BB64BF6ACCF9}"/>
+              </a:ext>
+            </a:extLst>
+          </p:cNvPr>
+          <p:cNvSpPr txBox="1"/>
+          <p:nvPr/>
+        </p:nvSpPr>
+        <p:spPr>
+          <a:xfrm>
+            <a:off x="1796123" y="3425032"/>
+            <a:ext cx="655629" cy="369332"/>
+          </a:xfrm>
+          <a:prstGeom prst="rect">
+            <a:avLst/>
+          </a:prstGeom>
+          <a:noFill/>
+        </p:spPr>
+        <p:txBody>
+          <a:bodyPr wrap="none" rtlCol="0">
+            <a:spAutoFit/>
+          </a:bodyPr>
+          <a:lstStyle/>
+          <a:p>
+            <a:r>
+              <a:rPr lang="en-US" dirty="0"/>
+              <a:t>Silica</a:t>
+            </a:r>
+          </a:p>
+        </p:txBody>
+      </p:sp>
+      <p:cxnSp>
+        <p:nvCxnSpPr>
+          <p:cNvPr id="61" name="Straight Connector 60">
+            <a:extLst>
+              <a:ext uri="{FF2B5EF4-FFF2-40B4-BE49-F238E27FC236}">
+                <a16:creationId xmlns:a16="http://schemas.microsoft.com/office/drawing/2014/main" id="{1EE5C05F-6337-41FC-9511-9E1684606330}"/>
+              </a:ext>
+            </a:extLst>
+          </p:cNvPr>
+          <p:cNvCxnSpPr/>
+          <p:nvPr/>
+        </p:nvCxnSpPr>
+        <p:spPr>
+          <a:xfrm flipV="1">
+            <a:off x="3523923" y="1388581"/>
+            <a:ext cx="0" cy="1640694"/>
+          </a:xfrm>
+          <a:prstGeom prst="line">
+            <a:avLst/>
+          </a:prstGeom>
+        </p:spPr>
+        <p:style>
+          <a:lnRef idx="2">
+            <a:schemeClr val="dk1"/>
+          </a:lnRef>
+          <a:fillRef idx="0">
+            <a:schemeClr val="dk1"/>
+          </a:fillRef>
+          <a:effectRef idx="1">
+            <a:schemeClr val="dk1"/>
+          </a:effectRef>
+          <a:fontRef idx="minor">
+            <a:schemeClr val="tx1"/>
+          </a:fontRef>
+        </p:style>
+      </p:cxnSp>
+      <p:cxnSp>
+        <p:nvCxnSpPr>
+          <p:cNvPr id="63" name="Straight Connector 62">
+            <a:extLst>
+              <a:ext uri="{FF2B5EF4-FFF2-40B4-BE49-F238E27FC236}">
+                <a16:creationId xmlns:a16="http://schemas.microsoft.com/office/drawing/2014/main" id="{822DD32D-AE36-4697-8989-372BE54F9BE9}"/>
+              </a:ext>
+            </a:extLst>
+          </p:cNvPr>
+          <p:cNvCxnSpPr/>
+          <p:nvPr/>
+        </p:nvCxnSpPr>
+        <p:spPr>
+          <a:xfrm flipH="1" flipV="1">
+            <a:off x="3316049" y="1401646"/>
+            <a:ext cx="1" cy="1542068"/>
+          </a:xfrm>
+          <a:prstGeom prst="line">
+            <a:avLst/>
+          </a:prstGeom>
+        </p:spPr>
+        <p:style>
+          <a:lnRef idx="2">
+            <a:schemeClr val="dk1"/>
+          </a:lnRef>
+          <a:fillRef idx="0">
+            <a:schemeClr val="dk1"/>
+          </a:fillRef>
+          <a:effectRef idx="1">
+            <a:schemeClr val="dk1"/>
+          </a:effectRef>
+          <a:fontRef idx="minor">
+            <a:schemeClr val="tx1"/>
+          </a:fontRef>
+        </p:style>
+      </p:cxnSp>
+      <p:cxnSp>
+        <p:nvCxnSpPr>
+          <p:cNvPr id="65" name="Straight Connector 64">
+            <a:extLst>
+              <a:ext uri="{FF2B5EF4-FFF2-40B4-BE49-F238E27FC236}">
+                <a16:creationId xmlns:a16="http://schemas.microsoft.com/office/drawing/2014/main" id="{09FAE0E4-3C42-4C89-8ABC-E460FDDA2D30}"/>
+              </a:ext>
+            </a:extLst>
+          </p:cNvPr>
+          <p:cNvCxnSpPr/>
+          <p:nvPr/>
+        </p:nvCxnSpPr>
+        <p:spPr>
+          <a:xfrm>
+            <a:off x="3316049" y="1395113"/>
+            <a:ext cx="207874" cy="0"/>
+          </a:xfrm>
+          <a:prstGeom prst="line">
+            <a:avLst/>
+          </a:prstGeom>
+        </p:spPr>
+        <p:style>
+          <a:lnRef idx="2">
+            <a:schemeClr val="dk1"/>
+          </a:lnRef>
+          <a:fillRef idx="0">
+            <a:schemeClr val="dk1"/>
+          </a:fillRef>
+          <a:effectRef idx="1">
+            <a:schemeClr val="dk1"/>
+          </a:effectRef>
+          <a:fontRef idx="minor">
+            <a:schemeClr val="tx1"/>
+          </a:fontRef>
+        </p:style>
+      </p:cxnSp>
+      <p:sp>
+        <p:nvSpPr>
+          <p:cNvPr id="66" name="TextBox 65">
+            <a:extLst>
+              <a:ext uri="{FF2B5EF4-FFF2-40B4-BE49-F238E27FC236}">
+                <a16:creationId xmlns:a16="http://schemas.microsoft.com/office/drawing/2014/main" id="{F7237AA2-BD9C-455C-A3C0-4F25B546A30D}"/>
+              </a:ext>
+            </a:extLst>
+          </p:cNvPr>
+          <p:cNvSpPr txBox="1"/>
+          <p:nvPr/>
+        </p:nvSpPr>
+        <p:spPr>
+          <a:xfrm>
+            <a:off x="2218252" y="690895"/>
+            <a:ext cx="2267352" cy="369332"/>
+          </a:xfrm>
+          <a:prstGeom prst="rect">
+            <a:avLst/>
+          </a:prstGeom>
+          <a:noFill/>
+        </p:spPr>
+        <p:txBody>
+          <a:bodyPr wrap="none" rtlCol="0">
+            <a:spAutoFit/>
+          </a:bodyPr>
+          <a:lstStyle/>
+          <a:p>
+            <a:r>
+              <a:rPr lang="en-US" dirty="0"/>
+              <a:t>SDV-aggregate margin</a:t>
+            </a:r>
+          </a:p>
+        </p:txBody>
+      </p:sp>
+      <p:cxnSp>
+        <p:nvCxnSpPr>
+          <p:cNvPr id="68" name="Straight Connector 67">
+            <a:extLst>
+              <a:ext uri="{FF2B5EF4-FFF2-40B4-BE49-F238E27FC236}">
+                <a16:creationId xmlns:a16="http://schemas.microsoft.com/office/drawing/2014/main" id="{D5A732B9-CCC2-445B-9C9B-73BB65A96894}"/>
+              </a:ext>
+            </a:extLst>
+          </p:cNvPr>
+          <p:cNvCxnSpPr/>
+          <p:nvPr/>
+        </p:nvCxnSpPr>
+        <p:spPr>
+          <a:xfrm flipV="1">
+            <a:off x="3419986" y="1053695"/>
+            <a:ext cx="0" cy="334886"/>
+          </a:xfrm>
+          <a:prstGeom prst="line">
+            <a:avLst/>
+          </a:prstGeom>
+        </p:spPr>
+        <p:style>
+          <a:lnRef idx="2">
+            <a:schemeClr val="dk1"/>
+          </a:lnRef>
+          <a:fillRef idx="0">
+            <a:schemeClr val="dk1"/>
+          </a:fillRef>
+          <a:effectRef idx="1">
+            <a:schemeClr val="dk1"/>
+          </a:effectRef>
+          <a:fontRef idx="minor">
+            <a:schemeClr val="tx1"/>
+          </a:fontRef>
+        </p:style>
+      </p:cxnSp>
+      <p:sp>
+        <p:nvSpPr>
+          <p:cNvPr id="36" name="Oval 35">
+            <a:extLst>
+              <a:ext uri="{FF2B5EF4-FFF2-40B4-BE49-F238E27FC236}">
+                <a16:creationId xmlns:a16="http://schemas.microsoft.com/office/drawing/2014/main" id="{45C0E06B-6F60-472A-A498-3DF2E16AE16F}"/>
               </a:ext>
             </a:extLst>
           </p:cNvPr>
@@ -5390,7 +6139,7 @@
         </p:nvSpPr>
         <p:spPr>
           <a:xfrm>
-            <a:off x="3839166" y="3584883"/>
+            <a:off x="3523923" y="2972473"/>
             <a:ext cx="130629" cy="130629"/>
           </a:xfrm>
           <a:prstGeom prst="ellipse">
@@ -5428,608 +6177,227 @@
           </a:p>
         </p:txBody>
       </p:sp>
+      <p:sp>
+        <p:nvSpPr>
+          <p:cNvPr id="39" name="Oval 38">
+            <a:extLst>
+              <a:ext uri="{FF2B5EF4-FFF2-40B4-BE49-F238E27FC236}">
+                <a16:creationId xmlns:a16="http://schemas.microsoft.com/office/drawing/2014/main" id="{76EC7D4D-21A7-40C6-A180-BBFBE8CBAEE9}"/>
+              </a:ext>
+            </a:extLst>
+          </p:cNvPr>
+          <p:cNvSpPr/>
+          <p:nvPr/>
+        </p:nvSpPr>
+        <p:spPr>
+          <a:xfrm>
+            <a:off x="3734740" y="3092456"/>
+            <a:ext cx="130629" cy="130629"/>
+          </a:xfrm>
+          <a:prstGeom prst="ellipse">
+            <a:avLst/>
+          </a:prstGeom>
+          <a:solidFill>
+            <a:srgbClr val="FF0000"/>
+          </a:solidFill>
+          <a:ln>
+            <a:noFill/>
+          </a:ln>
+        </p:spPr>
+        <p:style>
+          <a:lnRef idx="2">
+            <a:schemeClr val="accent1">
+              <a:shade val="50000"/>
+            </a:schemeClr>
+          </a:lnRef>
+          <a:fillRef idx="1">
+            <a:schemeClr val="accent1"/>
+          </a:fillRef>
+          <a:effectRef idx="0">
+            <a:schemeClr val="accent1"/>
+          </a:effectRef>
+          <a:fontRef idx="minor">
+            <a:schemeClr val="lt1"/>
+          </a:fontRef>
+        </p:style>
+        <p:txBody>
+          <a:bodyPr rtlCol="0" anchor="ctr"/>
+          <a:lstStyle/>
+          <a:p>
+            <a:pPr algn="ctr"/>
+            <a:endParaRPr lang="en-US"/>
+          </a:p>
+        </p:txBody>
+      </p:sp>
+      <p:sp>
+        <p:nvSpPr>
+          <p:cNvPr id="41" name="Oval 40">
+            <a:extLst>
+              <a:ext uri="{FF2B5EF4-FFF2-40B4-BE49-F238E27FC236}">
+                <a16:creationId xmlns:a16="http://schemas.microsoft.com/office/drawing/2014/main" id="{76EC7D4D-21A7-40C6-A180-BBFBE8CBAEE9}"/>
+              </a:ext>
+            </a:extLst>
+          </p:cNvPr>
+          <p:cNvSpPr/>
+          <p:nvPr/>
+        </p:nvSpPr>
+        <p:spPr>
+          <a:xfrm>
+            <a:off x="3746247" y="2881275"/>
+            <a:ext cx="130629" cy="130629"/>
+          </a:xfrm>
+          <a:prstGeom prst="ellipse">
+            <a:avLst/>
+          </a:prstGeom>
+          <a:solidFill>
+            <a:srgbClr val="FF0000"/>
+          </a:solidFill>
+          <a:ln>
+            <a:noFill/>
+          </a:ln>
+        </p:spPr>
+        <p:style>
+          <a:lnRef idx="2">
+            <a:schemeClr val="accent1">
+              <a:shade val="50000"/>
+            </a:schemeClr>
+          </a:lnRef>
+          <a:fillRef idx="1">
+            <a:schemeClr val="accent1"/>
+          </a:fillRef>
+          <a:effectRef idx="0">
+            <a:schemeClr val="accent1"/>
+          </a:effectRef>
+          <a:fontRef idx="minor">
+            <a:schemeClr val="lt1"/>
+          </a:fontRef>
+        </p:style>
+        <p:txBody>
+          <a:bodyPr rtlCol="0" anchor="ctr"/>
+          <a:lstStyle/>
+          <a:p>
+            <a:pPr algn="ctr"/>
+            <a:endParaRPr lang="en-US"/>
+          </a:p>
+        </p:txBody>
+      </p:sp>
+      <p:sp>
+        <p:nvSpPr>
+          <p:cNvPr id="42" name="Oval 41">
+            <a:extLst>
+              <a:ext uri="{FF2B5EF4-FFF2-40B4-BE49-F238E27FC236}">
+                <a16:creationId xmlns:a16="http://schemas.microsoft.com/office/drawing/2014/main" id="{76EC7D4D-21A7-40C6-A180-BBFBE8CBAEE9}"/>
+              </a:ext>
+            </a:extLst>
+          </p:cNvPr>
+          <p:cNvSpPr/>
+          <p:nvPr/>
+        </p:nvSpPr>
+        <p:spPr>
+          <a:xfrm>
+            <a:off x="3937745" y="2877720"/>
+            <a:ext cx="130629" cy="130629"/>
+          </a:xfrm>
+          <a:prstGeom prst="ellipse">
+            <a:avLst/>
+          </a:prstGeom>
+          <a:solidFill>
+            <a:srgbClr val="FF0000"/>
+          </a:solidFill>
+          <a:ln>
+            <a:noFill/>
+          </a:ln>
+        </p:spPr>
+        <p:style>
+          <a:lnRef idx="2">
+            <a:schemeClr val="accent1">
+              <a:shade val="50000"/>
+            </a:schemeClr>
+          </a:lnRef>
+          <a:fillRef idx="1">
+            <a:schemeClr val="accent1"/>
+          </a:fillRef>
+          <a:effectRef idx="0">
+            <a:schemeClr val="accent1"/>
+          </a:effectRef>
+          <a:fontRef idx="minor">
+            <a:schemeClr val="lt1"/>
+          </a:fontRef>
+        </p:style>
+        <p:txBody>
+          <a:bodyPr rtlCol="0" anchor="ctr"/>
+          <a:lstStyle/>
+          <a:p>
+            <a:pPr algn="ctr"/>
+            <a:endParaRPr lang="en-US"/>
+          </a:p>
+        </p:txBody>
+      </p:sp>
+      <p:sp>
+        <p:nvSpPr>
+          <p:cNvPr id="43" name="Oval 42">
+            <a:extLst>
+              <a:ext uri="{FF2B5EF4-FFF2-40B4-BE49-F238E27FC236}">
+                <a16:creationId xmlns:a16="http://schemas.microsoft.com/office/drawing/2014/main" id="{76EC7D4D-21A7-40C6-A180-BBFBE8CBAEE9}"/>
+              </a:ext>
+            </a:extLst>
+          </p:cNvPr>
+          <p:cNvSpPr/>
+          <p:nvPr/>
+        </p:nvSpPr>
+        <p:spPr>
+          <a:xfrm>
+            <a:off x="3961957" y="3000102"/>
+            <a:ext cx="130629" cy="130629"/>
+          </a:xfrm>
+          <a:prstGeom prst="ellipse">
+            <a:avLst/>
+          </a:prstGeom>
+          <a:solidFill>
+            <a:srgbClr val="FF0000"/>
+          </a:solidFill>
+          <a:ln>
+            <a:noFill/>
+          </a:ln>
+        </p:spPr>
+        <p:style>
+          <a:lnRef idx="2">
+            <a:schemeClr val="accent1">
+              <a:shade val="50000"/>
+            </a:schemeClr>
+          </a:lnRef>
+          <a:fillRef idx="1">
+            <a:schemeClr val="accent1"/>
+          </a:fillRef>
+          <a:effectRef idx="0">
+            <a:schemeClr val="accent1"/>
+          </a:effectRef>
+          <a:fontRef idx="minor">
+            <a:schemeClr val="lt1"/>
+          </a:fontRef>
+        </p:style>
+        <p:txBody>
+          <a:bodyPr rtlCol="0" anchor="ctr"/>
+          <a:lstStyle/>
+          <a:p>
+            <a:pPr algn="ctr"/>
+            <a:endParaRPr lang="en-US"/>
+          </a:p>
+        </p:txBody>
+      </p:sp>
       <p:cxnSp>
         <p:nvCxnSpPr>
-          <p:cNvPr id="34" name="Straight Connector 33">
-            <a:extLst>
-              <a:ext uri="{FF2B5EF4-FFF2-40B4-BE49-F238E27FC236}">
-                <a16:creationId xmlns:a16="http://schemas.microsoft.com/office/drawing/2014/main" id="{B63A5112-889F-49CF-A897-444C8122BE5D}"/>
-              </a:ext>
-            </a:extLst>
-          </p:cNvPr>
+          <p:cNvPr id="14" name="Straight Connector 13"/>
           <p:cNvCxnSpPr>
-            <a:cxnSpLocks/>
+            <a:stCxn id="26" idx="0"/>
+            <a:endCxn id="26" idx="2"/>
           </p:cNvCxnSpPr>
           <p:nvPr/>
         </p:nvCxnSpPr>
         <p:spPr>
           <a:xfrm>
-            <a:off x="4392563" y="3594503"/>
-            <a:ext cx="1025909" cy="15195"/>
-          </a:xfrm>
-          <a:prstGeom prst="line">
-            <a:avLst/>
-          </a:prstGeom>
-        </p:spPr>
-        <p:style>
-          <a:lnRef idx="3">
-            <a:schemeClr val="dk1"/>
-          </a:lnRef>
-          <a:fillRef idx="0">
-            <a:schemeClr val="dk1"/>
-          </a:fillRef>
-          <a:effectRef idx="2">
-            <a:schemeClr val="dk1"/>
-          </a:effectRef>
-          <a:fontRef idx="minor">
-            <a:schemeClr val="tx1"/>
-          </a:fontRef>
-        </p:style>
-      </p:cxnSp>
-      <p:sp>
-        <p:nvSpPr>
-          <p:cNvPr id="35" name="TextBox 34">
-            <a:extLst>
-              <a:ext uri="{FF2B5EF4-FFF2-40B4-BE49-F238E27FC236}">
-                <a16:creationId xmlns:a16="http://schemas.microsoft.com/office/drawing/2014/main" id="{5137AC69-B0F4-48EB-906B-C5A7D9FFB44B}"/>
-              </a:ext>
-            </a:extLst>
-          </p:cNvPr>
-          <p:cNvSpPr txBox="1"/>
-          <p:nvPr/>
-        </p:nvSpPr>
-        <p:spPr>
-          <a:xfrm>
-            <a:off x="5419775" y="3425512"/>
-            <a:ext cx="561885" cy="369332"/>
-          </a:xfrm>
-          <a:prstGeom prst="rect">
-            <a:avLst/>
-          </a:prstGeom>
-          <a:noFill/>
-        </p:spPr>
-        <p:txBody>
-          <a:bodyPr wrap="none" rtlCol="0">
-            <a:spAutoFit/>
-          </a:bodyPr>
-          <a:lstStyle/>
-          <a:p>
-            <a:r>
-              <a:rPr lang="en-US" dirty="0"/>
-              <a:t>SDV</a:t>
-            </a:r>
-          </a:p>
-        </p:txBody>
-      </p:sp>
-      <p:cxnSp>
-        <p:nvCxnSpPr>
-          <p:cNvPr id="37" name="Straight Connector 36">
-            <a:extLst>
-              <a:ext uri="{FF2B5EF4-FFF2-40B4-BE49-F238E27FC236}">
-                <a16:creationId xmlns:a16="http://schemas.microsoft.com/office/drawing/2014/main" id="{24F0D56B-01E6-44DA-AD01-D4F0D28EDFD1}"/>
-              </a:ext>
-            </a:extLst>
-          </p:cNvPr>
-          <p:cNvCxnSpPr>
-            <a:cxnSpLocks/>
-          </p:cNvCxnSpPr>
-          <p:nvPr/>
-        </p:nvCxnSpPr>
-        <p:spPr>
-          <a:xfrm>
-            <a:off x="4606136" y="2285999"/>
-            <a:ext cx="812336" cy="0"/>
-          </a:xfrm>
-          <a:prstGeom prst="line">
-            <a:avLst/>
-          </a:prstGeom>
-        </p:spPr>
-        <p:style>
-          <a:lnRef idx="3">
-            <a:schemeClr val="dk1"/>
-          </a:lnRef>
-          <a:fillRef idx="0">
-            <a:schemeClr val="dk1"/>
-          </a:fillRef>
-          <a:effectRef idx="2">
-            <a:schemeClr val="dk1"/>
-          </a:effectRef>
-          <a:fontRef idx="minor">
-            <a:schemeClr val="tx1"/>
-          </a:fontRef>
-        </p:style>
-      </p:cxnSp>
-      <p:sp>
-        <p:nvSpPr>
-          <p:cNvPr id="40" name="TextBox 39">
-            <a:extLst>
-              <a:ext uri="{FF2B5EF4-FFF2-40B4-BE49-F238E27FC236}">
-                <a16:creationId xmlns:a16="http://schemas.microsoft.com/office/drawing/2014/main" id="{E8E2F76B-0523-4243-A65F-4F8970EA5220}"/>
-              </a:ext>
-            </a:extLst>
-          </p:cNvPr>
-          <p:cNvSpPr txBox="1"/>
-          <p:nvPr/>
-        </p:nvSpPr>
-        <p:spPr>
-          <a:xfrm>
-            <a:off x="5423254" y="2099112"/>
-            <a:ext cx="1285480" cy="369332"/>
-          </a:xfrm>
-          <a:prstGeom prst="rect">
-            <a:avLst/>
-          </a:prstGeom>
-          <a:noFill/>
-        </p:spPr>
-        <p:txBody>
-          <a:bodyPr wrap="none" rtlCol="0">
-            <a:spAutoFit/>
-          </a:bodyPr>
-          <a:lstStyle/>
-          <a:p>
-            <a:r>
-              <a:rPr lang="en-US" dirty="0"/>
-              <a:t>SDV growth</a:t>
-            </a:r>
-          </a:p>
-        </p:txBody>
-      </p:sp>
-      <p:cxnSp>
-        <p:nvCxnSpPr>
-          <p:cNvPr id="46" name="Straight Connector 45">
-            <a:extLst>
-              <a:ext uri="{FF2B5EF4-FFF2-40B4-BE49-F238E27FC236}">
-                <a16:creationId xmlns:a16="http://schemas.microsoft.com/office/drawing/2014/main" id="{951FCE05-D662-4BD6-A9C5-29A8AEAB9B42}"/>
-              </a:ext>
-            </a:extLst>
-          </p:cNvPr>
-          <p:cNvCxnSpPr>
-            <a:cxnSpLocks/>
-          </p:cNvCxnSpPr>
-          <p:nvPr/>
-        </p:nvCxnSpPr>
-        <p:spPr>
-          <a:xfrm>
-            <a:off x="4606136" y="3022745"/>
-            <a:ext cx="775761" cy="13063"/>
-          </a:xfrm>
-          <a:prstGeom prst="line">
-            <a:avLst/>
-          </a:prstGeom>
-        </p:spPr>
-        <p:style>
-          <a:lnRef idx="3">
-            <a:schemeClr val="dk1"/>
-          </a:lnRef>
-          <a:fillRef idx="0">
-            <a:schemeClr val="dk1"/>
-          </a:fillRef>
-          <a:effectRef idx="2">
-            <a:schemeClr val="dk1"/>
-          </a:effectRef>
-          <a:fontRef idx="minor">
-            <a:schemeClr val="tx1"/>
-          </a:fontRef>
-        </p:style>
-      </p:cxnSp>
-      <p:sp>
-        <p:nvSpPr>
-          <p:cNvPr id="48" name="TextBox 47">
-            <a:extLst>
-              <a:ext uri="{FF2B5EF4-FFF2-40B4-BE49-F238E27FC236}">
-                <a16:creationId xmlns:a16="http://schemas.microsoft.com/office/drawing/2014/main" id="{A3907337-B352-4B6D-8AEC-39E7F69DF9E9}"/>
-              </a:ext>
-            </a:extLst>
-          </p:cNvPr>
-          <p:cNvSpPr txBox="1"/>
-          <p:nvPr/>
-        </p:nvSpPr>
-        <p:spPr>
-          <a:xfrm>
-            <a:off x="5439375" y="2851186"/>
-            <a:ext cx="1767215" cy="369332"/>
-          </a:xfrm>
-          <a:prstGeom prst="rect">
-            <a:avLst/>
-          </a:prstGeom>
-          <a:noFill/>
-        </p:spPr>
-        <p:txBody>
-          <a:bodyPr wrap="none" rtlCol="0">
-            <a:spAutoFit/>
-          </a:bodyPr>
-          <a:lstStyle/>
-          <a:p>
-            <a:r>
-              <a:rPr lang="en-US" dirty="0"/>
-              <a:t>STV/Microtubule</a:t>
-            </a:r>
-          </a:p>
-        </p:txBody>
-      </p:sp>
-      <p:cxnSp>
-        <p:nvCxnSpPr>
-          <p:cNvPr id="50" name="Straight Connector 49">
-            <a:extLst>
-              <a:ext uri="{FF2B5EF4-FFF2-40B4-BE49-F238E27FC236}">
-                <a16:creationId xmlns:a16="http://schemas.microsoft.com/office/drawing/2014/main" id="{A5EB2C79-E472-490F-A867-26D23BBA3D36}"/>
-              </a:ext>
-            </a:extLst>
-          </p:cNvPr>
-          <p:cNvCxnSpPr>
-            <a:cxnSpLocks/>
-            <a:stCxn id="4" idx="7"/>
-          </p:cNvCxnSpPr>
-          <p:nvPr/>
-        </p:nvCxnSpPr>
-        <p:spPr>
-          <a:xfrm>
-            <a:off x="4750172" y="1631678"/>
-            <a:ext cx="631725" cy="10753"/>
-          </a:xfrm>
-          <a:prstGeom prst="line">
-            <a:avLst/>
-          </a:prstGeom>
-        </p:spPr>
-        <p:style>
-          <a:lnRef idx="3">
-            <a:schemeClr val="dk1"/>
-          </a:lnRef>
-          <a:fillRef idx="0">
-            <a:schemeClr val="dk1"/>
-          </a:fillRef>
-          <a:effectRef idx="2">
-            <a:schemeClr val="dk1"/>
-          </a:effectRef>
-          <a:fontRef idx="minor">
-            <a:schemeClr val="tx1"/>
-          </a:fontRef>
-        </p:style>
-      </p:cxnSp>
-      <p:sp>
-        <p:nvSpPr>
-          <p:cNvPr id="52" name="TextBox 51">
-            <a:extLst>
-              <a:ext uri="{FF2B5EF4-FFF2-40B4-BE49-F238E27FC236}">
-                <a16:creationId xmlns:a16="http://schemas.microsoft.com/office/drawing/2014/main" id="{6F122F04-DC40-4496-9F1C-9F62FF61CA79}"/>
-              </a:ext>
-            </a:extLst>
-          </p:cNvPr>
-          <p:cNvSpPr txBox="1"/>
-          <p:nvPr/>
-        </p:nvSpPr>
-        <p:spPr>
-          <a:xfrm>
-            <a:off x="5408022" y="1464779"/>
-            <a:ext cx="992259" cy="369332"/>
-          </a:xfrm>
-          <a:prstGeom prst="rect">
-            <a:avLst/>
-          </a:prstGeom>
-          <a:noFill/>
-        </p:spPr>
-        <p:txBody>
-          <a:bodyPr wrap="none" rtlCol="0">
-            <a:spAutoFit/>
-          </a:bodyPr>
-          <a:lstStyle/>
-          <a:p>
-            <a:r>
-              <a:rPr lang="en-US" dirty="0"/>
-              <a:t>Epitheca</a:t>
-            </a:r>
-          </a:p>
-        </p:txBody>
-      </p:sp>
-      <p:cxnSp>
-        <p:nvCxnSpPr>
-          <p:cNvPr id="54" name="Straight Connector 53">
-            <a:extLst>
-              <a:ext uri="{FF2B5EF4-FFF2-40B4-BE49-F238E27FC236}">
-                <a16:creationId xmlns:a16="http://schemas.microsoft.com/office/drawing/2014/main" id="{07913011-8977-4FB1-8F94-48F797A3C74B}"/>
-              </a:ext>
-            </a:extLst>
-          </p:cNvPr>
-          <p:cNvCxnSpPr>
-            <a:cxnSpLocks/>
-          </p:cNvCxnSpPr>
-          <p:nvPr/>
-        </p:nvCxnSpPr>
-        <p:spPr>
-          <a:xfrm flipH="1" flipV="1">
-            <a:off x="2455817" y="2583834"/>
-            <a:ext cx="1444309" cy="18290"/>
-          </a:xfrm>
-          <a:prstGeom prst="line">
-            <a:avLst/>
-          </a:prstGeom>
-        </p:spPr>
-        <p:style>
-          <a:lnRef idx="3">
-            <a:schemeClr val="dk1"/>
-          </a:lnRef>
-          <a:fillRef idx="0">
-            <a:schemeClr val="dk1"/>
-          </a:fillRef>
-          <a:effectRef idx="2">
-            <a:schemeClr val="dk1"/>
-          </a:effectRef>
-          <a:fontRef idx="minor">
-            <a:schemeClr val="tx1"/>
-          </a:fontRef>
-        </p:style>
-      </p:cxnSp>
-      <p:sp>
-        <p:nvSpPr>
-          <p:cNvPr id="56" name="TextBox 55">
-            <a:extLst>
-              <a:ext uri="{FF2B5EF4-FFF2-40B4-BE49-F238E27FC236}">
-                <a16:creationId xmlns:a16="http://schemas.microsoft.com/office/drawing/2014/main" id="{21C21316-1EEB-4195-B03C-870971FDA556}"/>
-              </a:ext>
-            </a:extLst>
-          </p:cNvPr>
-          <p:cNvSpPr txBox="1"/>
-          <p:nvPr/>
-        </p:nvSpPr>
-        <p:spPr>
-          <a:xfrm>
-            <a:off x="1687722" y="2390506"/>
-            <a:ext cx="779381" cy="369332"/>
-          </a:xfrm>
-          <a:prstGeom prst="rect">
-            <a:avLst/>
-          </a:prstGeom>
-          <a:noFill/>
-        </p:spPr>
-        <p:txBody>
-          <a:bodyPr wrap="none" rtlCol="0">
-            <a:spAutoFit/>
-          </a:bodyPr>
-          <a:lstStyle/>
-          <a:p>
-            <a:r>
-              <a:rPr lang="en-US" dirty="0"/>
-              <a:t>Raphe</a:t>
-            </a:r>
-          </a:p>
-        </p:txBody>
-      </p:sp>
-      <p:cxnSp>
-        <p:nvCxnSpPr>
-          <p:cNvPr id="58" name="Straight Connector 57">
-            <a:extLst>
-              <a:ext uri="{FF2B5EF4-FFF2-40B4-BE49-F238E27FC236}">
-                <a16:creationId xmlns:a16="http://schemas.microsoft.com/office/drawing/2014/main" id="{C633E1D6-4BC6-4F59-A665-91413C13A2CC}"/>
-              </a:ext>
-            </a:extLst>
-          </p:cNvPr>
-          <p:cNvCxnSpPr>
-            <a:cxnSpLocks/>
-          </p:cNvCxnSpPr>
-          <p:nvPr/>
-        </p:nvCxnSpPr>
-        <p:spPr>
-          <a:xfrm flipH="1">
-            <a:off x="2461878" y="3371953"/>
-            <a:ext cx="1069882" cy="0"/>
-          </a:xfrm>
-          <a:prstGeom prst="line">
-            <a:avLst/>
-          </a:prstGeom>
-        </p:spPr>
-        <p:style>
-          <a:lnRef idx="3">
-            <a:schemeClr val="dk1"/>
-          </a:lnRef>
-          <a:fillRef idx="0">
-            <a:schemeClr val="dk1"/>
-          </a:fillRef>
-          <a:effectRef idx="2">
-            <a:schemeClr val="dk1"/>
-          </a:effectRef>
-          <a:fontRef idx="minor">
-            <a:schemeClr val="tx1"/>
-          </a:fontRef>
-        </p:style>
-      </p:cxnSp>
-      <p:sp>
-        <p:nvSpPr>
-          <p:cNvPr id="59" name="TextBox 58">
-            <a:extLst>
-              <a:ext uri="{FF2B5EF4-FFF2-40B4-BE49-F238E27FC236}">
-                <a16:creationId xmlns:a16="http://schemas.microsoft.com/office/drawing/2014/main" id="{8B82F21B-05C9-4A73-AD0B-BB64BF6ACCF9}"/>
-              </a:ext>
-            </a:extLst>
-          </p:cNvPr>
-          <p:cNvSpPr txBox="1"/>
-          <p:nvPr/>
-        </p:nvSpPr>
-        <p:spPr>
-          <a:xfrm>
-            <a:off x="1760872" y="3186465"/>
-            <a:ext cx="655629" cy="369332"/>
-          </a:xfrm>
-          <a:prstGeom prst="rect">
-            <a:avLst/>
-          </a:prstGeom>
-          <a:noFill/>
-        </p:spPr>
-        <p:txBody>
-          <a:bodyPr wrap="none" rtlCol="0">
-            <a:spAutoFit/>
-          </a:bodyPr>
-          <a:lstStyle/>
-          <a:p>
-            <a:r>
-              <a:rPr lang="en-US" dirty="0"/>
-              <a:t>Silica</a:t>
-            </a:r>
-          </a:p>
-        </p:txBody>
-      </p:sp>
-      <p:cxnSp>
-        <p:nvCxnSpPr>
-          <p:cNvPr id="61" name="Straight Connector 60">
-            <a:extLst>
-              <a:ext uri="{FF2B5EF4-FFF2-40B4-BE49-F238E27FC236}">
-                <a16:creationId xmlns:a16="http://schemas.microsoft.com/office/drawing/2014/main" id="{1EE5C05F-6337-41FC-9511-9E1684606330}"/>
-              </a:ext>
-            </a:extLst>
-          </p:cNvPr>
-          <p:cNvCxnSpPr/>
-          <p:nvPr/>
-        </p:nvCxnSpPr>
-        <p:spPr>
-          <a:xfrm flipV="1">
-            <a:off x="3602299" y="1395113"/>
-            <a:ext cx="0" cy="1640694"/>
-          </a:xfrm>
-          <a:prstGeom prst="line">
-            <a:avLst/>
-          </a:prstGeom>
-        </p:spPr>
-        <p:style>
-          <a:lnRef idx="2">
-            <a:schemeClr val="dk1"/>
-          </a:lnRef>
-          <a:fillRef idx="0">
-            <a:schemeClr val="dk1"/>
-          </a:fillRef>
-          <a:effectRef idx="1">
-            <a:schemeClr val="dk1"/>
-          </a:effectRef>
-          <a:fontRef idx="minor">
-            <a:schemeClr val="tx1"/>
-          </a:fontRef>
-        </p:style>
-      </p:cxnSp>
-      <p:cxnSp>
-        <p:nvCxnSpPr>
-          <p:cNvPr id="63" name="Straight Connector 62">
-            <a:extLst>
-              <a:ext uri="{FF2B5EF4-FFF2-40B4-BE49-F238E27FC236}">
-                <a16:creationId xmlns:a16="http://schemas.microsoft.com/office/drawing/2014/main" id="{822DD32D-AE36-4697-8989-372BE54F9BE9}"/>
-              </a:ext>
-            </a:extLst>
-          </p:cNvPr>
-          <p:cNvCxnSpPr>
-            <a:stCxn id="10" idx="1"/>
-          </p:cNvCxnSpPr>
-          <p:nvPr/>
-        </p:nvCxnSpPr>
-        <p:spPr>
-          <a:xfrm flipH="1" flipV="1">
-            <a:off x="3124633" y="1395113"/>
-            <a:ext cx="1" cy="1542068"/>
-          </a:xfrm>
-          <a:prstGeom prst="line">
-            <a:avLst/>
-          </a:prstGeom>
-        </p:spPr>
-        <p:style>
-          <a:lnRef idx="2">
-            <a:schemeClr val="dk1"/>
-          </a:lnRef>
-          <a:fillRef idx="0">
-            <a:schemeClr val="dk1"/>
-          </a:fillRef>
-          <a:effectRef idx="1">
-            <a:schemeClr val="dk1"/>
-          </a:effectRef>
-          <a:fontRef idx="minor">
-            <a:schemeClr val="tx1"/>
-          </a:fontRef>
-        </p:style>
-      </p:cxnSp>
-      <p:cxnSp>
-        <p:nvCxnSpPr>
-          <p:cNvPr id="65" name="Straight Connector 64">
-            <a:extLst>
-              <a:ext uri="{FF2B5EF4-FFF2-40B4-BE49-F238E27FC236}">
-                <a16:creationId xmlns:a16="http://schemas.microsoft.com/office/drawing/2014/main" id="{09FAE0E4-3C42-4C89-8ABC-E460FDDA2D30}"/>
-              </a:ext>
-            </a:extLst>
-          </p:cNvPr>
-          <p:cNvCxnSpPr/>
-          <p:nvPr/>
-        </p:nvCxnSpPr>
-        <p:spPr>
-          <a:xfrm>
-            <a:off x="3124633" y="1395113"/>
-            <a:ext cx="464605" cy="0"/>
-          </a:xfrm>
-          <a:prstGeom prst="line">
-            <a:avLst/>
-          </a:prstGeom>
-        </p:spPr>
-        <p:style>
-          <a:lnRef idx="2">
-            <a:schemeClr val="dk1"/>
-          </a:lnRef>
-          <a:fillRef idx="0">
-            <a:schemeClr val="dk1"/>
-          </a:fillRef>
-          <a:effectRef idx="1">
-            <a:schemeClr val="dk1"/>
-          </a:effectRef>
-          <a:fontRef idx="minor">
-            <a:schemeClr val="tx1"/>
-          </a:fontRef>
-        </p:style>
-      </p:cxnSp>
-      <p:sp>
-        <p:nvSpPr>
-          <p:cNvPr id="66" name="TextBox 65">
-            <a:extLst>
-              <a:ext uri="{FF2B5EF4-FFF2-40B4-BE49-F238E27FC236}">
-                <a16:creationId xmlns:a16="http://schemas.microsoft.com/office/drawing/2014/main" id="{F7237AA2-BD9C-455C-A3C0-4F25B546A30D}"/>
-              </a:ext>
-            </a:extLst>
-          </p:cNvPr>
-          <p:cNvSpPr txBox="1"/>
-          <p:nvPr/>
-        </p:nvSpPr>
-        <p:spPr>
-          <a:xfrm>
-            <a:off x="2218252" y="690895"/>
-            <a:ext cx="2267352" cy="369332"/>
-          </a:xfrm>
-          <a:prstGeom prst="rect">
-            <a:avLst/>
-          </a:prstGeom>
-          <a:noFill/>
-        </p:spPr>
-        <p:txBody>
-          <a:bodyPr wrap="none" rtlCol="0">
-            <a:spAutoFit/>
-          </a:bodyPr>
-          <a:lstStyle/>
-          <a:p>
-            <a:r>
-              <a:rPr lang="en-US" dirty="0"/>
-              <a:t>SDV-aggregate margin</a:t>
-            </a:r>
-          </a:p>
-        </p:txBody>
-      </p:sp>
-      <p:cxnSp>
-        <p:nvCxnSpPr>
-          <p:cNvPr id="68" name="Straight Connector 67">
-            <a:extLst>
-              <a:ext uri="{FF2B5EF4-FFF2-40B4-BE49-F238E27FC236}">
-                <a16:creationId xmlns:a16="http://schemas.microsoft.com/office/drawing/2014/main" id="{D5A732B9-CCC2-445B-9C9B-73BB65A96894}"/>
-              </a:ext>
-            </a:extLst>
-          </p:cNvPr>
-          <p:cNvCxnSpPr>
-            <a:endCxn id="66" idx="2"/>
-          </p:cNvCxnSpPr>
-          <p:nvPr/>
-        </p:nvCxnSpPr>
-        <p:spPr>
-          <a:xfrm flipV="1">
-            <a:off x="3351928" y="1060227"/>
-            <a:ext cx="0" cy="334886"/>
+            <a:off x="3903176" y="2510681"/>
+            <a:ext cx="0" cy="1024128"/>
           </a:xfrm>
           <a:prstGeom prst="line">
             <a:avLst/>
@@ -6054,6 +6422,628 @@
     <p:extLst>
       <p:ext uri="{BB962C8B-B14F-4D97-AF65-F5344CB8AC3E}">
         <p14:creationId xmlns:p14="http://schemas.microsoft.com/office/powerpoint/2010/main" val="1515538153"/>
+      </p:ext>
+    </p:extLst>
+  </p:cSld>
+  <p:clrMapOvr>
+    <a:masterClrMapping/>
+  </p:clrMapOvr>
+</p:sld>
+</file>
+
+<file path=ppt/slides/slide5.xml><?xml version="1.0" encoding="utf-8"?>
+<p:sld xmlns:a="http://schemas.openxmlformats.org/drawingml/2006/main" xmlns:r="http://schemas.openxmlformats.org/officeDocument/2006/relationships" xmlns:p="http://schemas.openxmlformats.org/presentationml/2006/main">
+  <p:cSld>
+    <p:spTree>
+      <p:nvGrpSpPr>
+        <p:cNvPr id="1" name=""/>
+        <p:cNvGrpSpPr/>
+        <p:nvPr/>
+      </p:nvGrpSpPr>
+      <p:grpSpPr>
+        <a:xfrm>
+          <a:off x="0" y="0"/>
+          <a:ext cx="0" cy="0"/>
+          <a:chOff x="0" y="0"/>
+          <a:chExt cx="0" cy="0"/>
+        </a:xfrm>
+      </p:grpSpPr>
+      <p:pic>
+        <p:nvPicPr>
+          <p:cNvPr id="7" name="Picture 6"/>
+          <p:cNvPicPr>
+            <a:picLocks noChangeAspect="1"/>
+          </p:cNvPicPr>
+          <p:nvPr/>
+        </p:nvPicPr>
+        <p:blipFill rotWithShape="1">
+          <a:blip r:embed="rId2">
+            <a:extLst>
+              <a:ext uri="{28A0092B-C50C-407E-A947-70E740481C1C}">
+                <a14:useLocalDpi xmlns:a14="http://schemas.microsoft.com/office/drawing/2010/main" val="0"/>
+              </a:ext>
+            </a:extLst>
+          </a:blip>
+          <a:srcRect l="43296"/>
+          <a:stretch/>
+        </p:blipFill>
+        <p:spPr>
+          <a:xfrm>
+            <a:off x="4145063" y="622736"/>
+            <a:ext cx="3029516" cy="3649718"/>
+          </a:xfrm>
+          <a:prstGeom prst="rect">
+            <a:avLst/>
+          </a:prstGeom>
+        </p:spPr>
+      </p:pic>
+      <p:sp>
+        <p:nvSpPr>
+          <p:cNvPr id="8" name="TextBox 7"/>
+          <p:cNvSpPr txBox="1"/>
+          <p:nvPr/>
+        </p:nvSpPr>
+        <p:spPr>
+          <a:xfrm>
+            <a:off x="7555788" y="2286578"/>
+            <a:ext cx="561885" cy="369332"/>
+          </a:xfrm>
+          <a:prstGeom prst="rect">
+            <a:avLst/>
+          </a:prstGeom>
+          <a:noFill/>
+        </p:spPr>
+        <p:txBody>
+          <a:bodyPr wrap="none" rtlCol="0">
+            <a:spAutoFit/>
+          </a:bodyPr>
+          <a:lstStyle/>
+          <a:p>
+            <a:r>
+              <a:rPr lang="en-US" dirty="0" smtClean="0"/>
+              <a:t>SDV</a:t>
+            </a:r>
+            <a:endParaRPr lang="en-US" dirty="0"/>
+          </a:p>
+        </p:txBody>
+      </p:sp>
+      <p:cxnSp>
+        <p:nvCxnSpPr>
+          <p:cNvPr id="10" name="Straight Arrow Connector 9"/>
+          <p:cNvCxnSpPr>
+            <a:stCxn id="8" idx="1"/>
+          </p:cNvCxnSpPr>
+          <p:nvPr/>
+        </p:nvCxnSpPr>
+        <p:spPr>
+          <a:xfrm flipH="1" flipV="1">
+            <a:off x="6897414" y="2412124"/>
+            <a:ext cx="658374" cy="59120"/>
+          </a:xfrm>
+          <a:prstGeom prst="straightConnector1">
+            <a:avLst/>
+          </a:prstGeom>
+          <a:ln>
+            <a:tailEnd type="triangle"/>
+          </a:ln>
+        </p:spPr>
+        <p:style>
+          <a:lnRef idx="2">
+            <a:schemeClr val="dk1"/>
+          </a:lnRef>
+          <a:fillRef idx="0">
+            <a:schemeClr val="dk1"/>
+          </a:fillRef>
+          <a:effectRef idx="1">
+            <a:schemeClr val="dk1"/>
+          </a:effectRef>
+          <a:fontRef idx="minor">
+            <a:schemeClr val="tx1"/>
+          </a:fontRef>
+        </p:style>
+      </p:cxnSp>
+      <p:cxnSp>
+        <p:nvCxnSpPr>
+          <p:cNvPr id="14" name="Straight Arrow Connector 13"/>
+          <p:cNvCxnSpPr>
+            <a:stCxn id="8" idx="1"/>
+          </p:cNvCxnSpPr>
+          <p:nvPr/>
+        </p:nvCxnSpPr>
+        <p:spPr>
+          <a:xfrm flipH="1" flipV="1">
+            <a:off x="6455979" y="1623848"/>
+            <a:ext cx="1099809" cy="847396"/>
+          </a:xfrm>
+          <a:prstGeom prst="straightConnector1">
+            <a:avLst/>
+          </a:prstGeom>
+          <a:ln>
+            <a:tailEnd type="triangle"/>
+          </a:ln>
+        </p:spPr>
+        <p:style>
+          <a:lnRef idx="2">
+            <a:schemeClr val="dk1"/>
+          </a:lnRef>
+          <a:fillRef idx="0">
+            <a:schemeClr val="dk1"/>
+          </a:fillRef>
+          <a:effectRef idx="1">
+            <a:schemeClr val="dk1"/>
+          </a:effectRef>
+          <a:fontRef idx="minor">
+            <a:schemeClr val="tx1"/>
+          </a:fontRef>
+        </p:style>
+      </p:cxnSp>
+      <p:pic>
+        <p:nvPicPr>
+          <p:cNvPr id="4" name="Content Placeholder 3"/>
+          <p:cNvPicPr>
+            <a:picLocks noGrp="1" noChangeAspect="1"/>
+          </p:cNvPicPr>
+          <p:nvPr>
+            <p:ph idx="1"/>
+          </p:nvPr>
+        </p:nvPicPr>
+        <p:blipFill rotWithShape="1">
+          <a:blip r:embed="rId2">
+            <a:extLst>
+              <a:ext uri="{28A0092B-C50C-407E-A947-70E740481C1C}">
+                <a14:useLocalDpi xmlns:a14="http://schemas.microsoft.com/office/drawing/2010/main" val="0"/>
+              </a:ext>
+            </a:extLst>
+          </a:blip>
+          <a:srcRect t="30689" r="63654" b="34348"/>
+          <a:stretch/>
+        </p:blipFill>
+        <p:spPr>
+          <a:xfrm>
+            <a:off x="100159" y="0"/>
+            <a:ext cx="2315164" cy="1521373"/>
+          </a:xfrm>
+        </p:spPr>
+      </p:pic>
+      <p:sp>
+        <p:nvSpPr>
+          <p:cNvPr id="5" name="Rectangle 4"/>
+          <p:cNvSpPr/>
+          <p:nvPr/>
+        </p:nvSpPr>
+        <p:spPr>
+          <a:xfrm>
+            <a:off x="-83511" y="646388"/>
+            <a:ext cx="867103" cy="394137"/>
+          </a:xfrm>
+          <a:prstGeom prst="rect">
+            <a:avLst/>
+          </a:prstGeom>
+          <a:solidFill>
+            <a:schemeClr val="bg1"/>
+          </a:solidFill>
+          <a:ln>
+            <a:solidFill>
+              <a:schemeClr val="bg1"/>
+            </a:solidFill>
+          </a:ln>
+        </p:spPr>
+        <p:style>
+          <a:lnRef idx="2">
+            <a:schemeClr val="accent1">
+              <a:shade val="50000"/>
+            </a:schemeClr>
+          </a:lnRef>
+          <a:fillRef idx="1">
+            <a:schemeClr val="accent1"/>
+          </a:fillRef>
+          <a:effectRef idx="0">
+            <a:schemeClr val="accent1"/>
+          </a:effectRef>
+          <a:fontRef idx="minor">
+            <a:schemeClr val="lt1"/>
+          </a:fontRef>
+        </p:style>
+        <p:txBody>
+          <a:bodyPr rtlCol="0" anchor="ctr"/>
+          <a:lstStyle/>
+          <a:p>
+            <a:pPr algn="ctr"/>
+            <a:endParaRPr lang="en-US"/>
+          </a:p>
+        </p:txBody>
+      </p:sp>
+      <p:sp>
+        <p:nvSpPr>
+          <p:cNvPr id="6" name="Rectangle 5"/>
+          <p:cNvSpPr/>
+          <p:nvPr/>
+        </p:nvSpPr>
+        <p:spPr>
+          <a:xfrm>
+            <a:off x="1776821" y="331077"/>
+            <a:ext cx="714494" cy="1158766"/>
+          </a:xfrm>
+          <a:prstGeom prst="rect">
+            <a:avLst/>
+          </a:prstGeom>
+          <a:solidFill>
+            <a:schemeClr val="bg1"/>
+          </a:solidFill>
+          <a:ln>
+            <a:solidFill>
+              <a:schemeClr val="bg1"/>
+            </a:solidFill>
+          </a:ln>
+        </p:spPr>
+        <p:style>
+          <a:lnRef idx="2">
+            <a:schemeClr val="accent1">
+              <a:shade val="50000"/>
+            </a:schemeClr>
+          </a:lnRef>
+          <a:fillRef idx="1">
+            <a:schemeClr val="accent1"/>
+          </a:fillRef>
+          <a:effectRef idx="0">
+            <a:schemeClr val="accent1"/>
+          </a:effectRef>
+          <a:fontRef idx="minor">
+            <a:schemeClr val="lt1"/>
+          </a:fontRef>
+        </p:style>
+        <p:txBody>
+          <a:bodyPr rtlCol="0" anchor="ctr"/>
+          <a:lstStyle/>
+          <a:p>
+            <a:pPr algn="ctr"/>
+            <a:endParaRPr lang="en-US"/>
+          </a:p>
+        </p:txBody>
+      </p:sp>
+      <p:cxnSp>
+        <p:nvCxnSpPr>
+          <p:cNvPr id="20" name="Straight Arrow Connector 19"/>
+          <p:cNvCxnSpPr>
+            <a:stCxn id="8" idx="1"/>
+          </p:cNvCxnSpPr>
+          <p:nvPr/>
+        </p:nvCxnSpPr>
+        <p:spPr>
+          <a:xfrm flipH="1">
+            <a:off x="6455979" y="2471244"/>
+            <a:ext cx="1099809" cy="788276"/>
+          </a:xfrm>
+          <a:prstGeom prst="straightConnector1">
+            <a:avLst/>
+          </a:prstGeom>
+          <a:ln>
+            <a:tailEnd type="triangle"/>
+          </a:ln>
+        </p:spPr>
+        <p:style>
+          <a:lnRef idx="2">
+            <a:schemeClr val="dk1"/>
+          </a:lnRef>
+          <a:fillRef idx="0">
+            <a:schemeClr val="dk1"/>
+          </a:fillRef>
+          <a:effectRef idx="1">
+            <a:schemeClr val="dk1"/>
+          </a:effectRef>
+          <a:fontRef idx="minor">
+            <a:schemeClr val="tx1"/>
+          </a:fontRef>
+        </p:style>
+      </p:cxnSp>
+      <p:cxnSp>
+        <p:nvCxnSpPr>
+          <p:cNvPr id="22" name="Straight Arrow Connector 21"/>
+          <p:cNvCxnSpPr>
+            <a:stCxn id="8" idx="1"/>
+          </p:cNvCxnSpPr>
+          <p:nvPr/>
+        </p:nvCxnSpPr>
+        <p:spPr>
+          <a:xfrm flipH="1">
+            <a:off x="5659821" y="2471244"/>
+            <a:ext cx="1895967" cy="1288541"/>
+          </a:xfrm>
+          <a:prstGeom prst="straightConnector1">
+            <a:avLst/>
+          </a:prstGeom>
+          <a:ln>
+            <a:tailEnd type="triangle"/>
+          </a:ln>
+        </p:spPr>
+        <p:style>
+          <a:lnRef idx="2">
+            <a:schemeClr val="dk1"/>
+          </a:lnRef>
+          <a:fillRef idx="0">
+            <a:schemeClr val="dk1"/>
+          </a:fillRef>
+          <a:effectRef idx="1">
+            <a:schemeClr val="dk1"/>
+          </a:effectRef>
+          <a:fontRef idx="minor">
+            <a:schemeClr val="tx1"/>
+          </a:fontRef>
+        </p:style>
+      </p:cxnSp>
+      <p:pic>
+        <p:nvPicPr>
+          <p:cNvPr id="27" name="Picture 26"/>
+          <p:cNvPicPr>
+            <a:picLocks noChangeAspect="1"/>
+          </p:cNvPicPr>
+          <p:nvPr/>
+        </p:nvPicPr>
+        <p:blipFill>
+          <a:blip r:embed="rId3">
+            <a:extLst>
+              <a:ext uri="{28A0092B-C50C-407E-A947-70E740481C1C}">
+                <a14:useLocalDpi xmlns:a14="http://schemas.microsoft.com/office/drawing/2010/main" val="0"/>
+              </a:ext>
+            </a:extLst>
+          </a:blip>
+          <a:stretch>
+            <a:fillRect/>
+          </a:stretch>
+        </p:blipFill>
+        <p:spPr>
+          <a:xfrm>
+            <a:off x="5029847" y="2072789"/>
+            <a:ext cx="1351558" cy="796909"/>
+          </a:xfrm>
+          <a:prstGeom prst="rect">
+            <a:avLst/>
+          </a:prstGeom>
+        </p:spPr>
+      </p:pic>
+    </p:spTree>
+    <p:extLst>
+      <p:ext uri="{BB962C8B-B14F-4D97-AF65-F5344CB8AC3E}">
+        <p14:creationId xmlns:p14="http://schemas.microsoft.com/office/powerpoint/2010/main" val="2900714728"/>
+      </p:ext>
+    </p:extLst>
+  </p:cSld>
+  <p:clrMapOvr>
+    <a:masterClrMapping/>
+  </p:clrMapOvr>
+</p:sld>
+</file>
+
+<file path=ppt/slides/slide6.xml><?xml version="1.0" encoding="utf-8"?>
+<p:sld xmlns:a="http://schemas.openxmlformats.org/drawingml/2006/main" xmlns:r="http://schemas.openxmlformats.org/officeDocument/2006/relationships" xmlns:p="http://schemas.openxmlformats.org/presentationml/2006/main">
+  <p:cSld>
+    <p:spTree>
+      <p:nvGrpSpPr>
+        <p:cNvPr id="1" name=""/>
+        <p:cNvGrpSpPr/>
+        <p:nvPr/>
+      </p:nvGrpSpPr>
+      <p:grpSpPr>
+        <a:xfrm>
+          <a:off x="0" y="0"/>
+          <a:ext cx="0" cy="0"/>
+          <a:chOff x="0" y="0"/>
+          <a:chExt cx="0" cy="0"/>
+        </a:xfrm>
+      </p:grpSpPr>
+      <p:pic>
+        <p:nvPicPr>
+          <p:cNvPr id="1026" name="Picture 2" descr="img/pennate.png"/>
+          <p:cNvPicPr>
+            <a:picLocks noChangeAspect="1" noChangeArrowheads="1"/>
+          </p:cNvPicPr>
+          <p:nvPr/>
+        </p:nvPicPr>
+        <p:blipFill rotWithShape="1">
+          <a:blip r:embed="rId2">
+            <a:extLst>
+              <a:ext uri="{28A0092B-C50C-407E-A947-70E740481C1C}">
+                <a14:useLocalDpi xmlns:a14="http://schemas.microsoft.com/office/drawing/2010/main" val="0"/>
+              </a:ext>
+            </a:extLst>
+          </a:blip>
+          <a:srcRect r="49711"/>
+          <a:stretch/>
+        </p:blipFill>
+        <p:spPr bwMode="auto">
+          <a:xfrm>
+            <a:off x="1861613" y="502284"/>
+            <a:ext cx="2519888" cy="2627878"/>
+          </a:xfrm>
+          <a:prstGeom prst="rect">
+            <a:avLst/>
+          </a:prstGeom>
+          <a:noFill/>
+          <a:extLst>
+            <a:ext uri="{909E8E84-426E-40DD-AFC4-6F175D3DCCD1}">
+              <a14:hiddenFill xmlns:a14="http://schemas.microsoft.com/office/drawing/2010/main">
+                <a:solidFill>
+                  <a:srgbClr val="FFFFFF"/>
+                </a:solidFill>
+              </a14:hiddenFill>
+            </a:ext>
+          </a:extLst>
+        </p:spPr>
+      </p:pic>
+      <p:sp>
+        <p:nvSpPr>
+          <p:cNvPr id="4" name="TextBox 3"/>
+          <p:cNvSpPr txBox="1"/>
+          <p:nvPr/>
+        </p:nvSpPr>
+        <p:spPr>
+          <a:xfrm>
+            <a:off x="434340" y="6637020"/>
+            <a:ext cx="7745390" cy="369332"/>
+          </a:xfrm>
+          <a:prstGeom prst="rect">
+            <a:avLst/>
+          </a:prstGeom>
+          <a:noFill/>
+        </p:spPr>
+        <p:txBody>
+          <a:bodyPr wrap="none" rtlCol="0">
+            <a:spAutoFit/>
+          </a:bodyPr>
+          <a:lstStyle/>
+          <a:p>
+            <a:r>
+              <a:rPr lang="en-US" dirty="0"/>
+              <a:t>https://www.medicinalplantsarchive.us/tropical-waters/pennate-diatoms-1.html</a:t>
+            </a:r>
+          </a:p>
+        </p:txBody>
+      </p:sp>
+      <p:pic>
+        <p:nvPicPr>
+          <p:cNvPr id="1028" name="Picture 4" descr="Araphid Pennate"/>
+          <p:cNvPicPr>
+            <a:picLocks noChangeAspect="1" noChangeArrowheads="1"/>
+          </p:cNvPicPr>
+          <p:nvPr/>
+        </p:nvPicPr>
+        <p:blipFill rotWithShape="1">
+          <a:blip r:embed="rId3">
+            <a:extLst>
+              <a:ext uri="{28A0092B-C50C-407E-A947-70E740481C1C}">
+                <a14:useLocalDpi xmlns:a14="http://schemas.microsoft.com/office/drawing/2010/main" val="0"/>
+              </a:ext>
+            </a:extLst>
+          </a:blip>
+          <a:srcRect l="55603"/>
+          <a:stretch/>
+        </p:blipFill>
+        <p:spPr bwMode="auto">
+          <a:xfrm rot="10800000">
+            <a:off x="4505006" y="896866"/>
+            <a:ext cx="1142159" cy="1838713"/>
+          </a:xfrm>
+          <a:prstGeom prst="rect">
+            <a:avLst/>
+          </a:prstGeom>
+          <a:noFill/>
+          <a:extLst>
+            <a:ext uri="{909E8E84-426E-40DD-AFC4-6F175D3DCCD1}">
+              <a14:hiddenFill xmlns:a14="http://schemas.microsoft.com/office/drawing/2010/main">
+                <a:solidFill>
+                  <a:srgbClr val="FFFFFF"/>
+                </a:solidFill>
+              </a14:hiddenFill>
+            </a:ext>
+          </a:extLst>
+        </p:spPr>
+      </p:pic>
+    </p:spTree>
+    <p:extLst>
+      <p:ext uri="{BB962C8B-B14F-4D97-AF65-F5344CB8AC3E}">
+        <p14:creationId xmlns:p14="http://schemas.microsoft.com/office/powerpoint/2010/main" val="3187278937"/>
+      </p:ext>
+    </p:extLst>
+  </p:cSld>
+  <p:clrMapOvr>
+    <a:masterClrMapping/>
+  </p:clrMapOvr>
+</p:sld>
+</file>
+
+<file path=ppt/slides/slide7.xml><?xml version="1.0" encoding="utf-8"?>
+<p:sld xmlns:a="http://schemas.openxmlformats.org/drawingml/2006/main" xmlns:r="http://schemas.openxmlformats.org/officeDocument/2006/relationships" xmlns:p="http://schemas.openxmlformats.org/presentationml/2006/main">
+  <p:cSld>
+    <p:spTree>
+      <p:nvGrpSpPr>
+        <p:cNvPr id="1" name=""/>
+        <p:cNvGrpSpPr/>
+        <p:nvPr/>
+      </p:nvGrpSpPr>
+      <p:grpSpPr>
+        <a:xfrm>
+          <a:off x="0" y="0"/>
+          <a:ext cx="0" cy="0"/>
+          <a:chOff x="0" y="0"/>
+          <a:chExt cx="0" cy="0"/>
+        </a:xfrm>
+      </p:grpSpPr>
+      <p:pic>
+        <p:nvPicPr>
+          <p:cNvPr id="4" name="Picture 3"/>
+          <p:cNvPicPr>
+            <a:picLocks noChangeAspect="1"/>
+          </p:cNvPicPr>
+          <p:nvPr/>
+        </p:nvPicPr>
+        <p:blipFill>
+          <a:blip r:embed="rId2"/>
+          <a:stretch>
+            <a:fillRect/>
+          </a:stretch>
+        </p:blipFill>
+        <p:spPr>
+          <a:xfrm>
+            <a:off x="567418" y="0"/>
+            <a:ext cx="5731782" cy="3164877"/>
+          </a:xfrm>
+          <a:prstGeom prst="rect">
+            <a:avLst/>
+          </a:prstGeom>
+        </p:spPr>
+      </p:pic>
+      <p:pic>
+        <p:nvPicPr>
+          <p:cNvPr id="5" name="Picture 4"/>
+          <p:cNvPicPr>
+            <a:picLocks noChangeAspect="1"/>
+          </p:cNvPicPr>
+          <p:nvPr/>
+        </p:nvPicPr>
+        <p:blipFill>
+          <a:blip r:embed="rId3"/>
+          <a:stretch>
+            <a:fillRect/>
+          </a:stretch>
+        </p:blipFill>
+        <p:spPr>
+          <a:xfrm>
+            <a:off x="449582" y="3321957"/>
+            <a:ext cx="5967453" cy="3311071"/>
+          </a:xfrm>
+          <a:prstGeom prst="rect">
+            <a:avLst/>
+          </a:prstGeom>
+        </p:spPr>
+      </p:pic>
+      <p:pic>
+        <p:nvPicPr>
+          <p:cNvPr id="6" name="Picture 5"/>
+          <p:cNvPicPr>
+            <a:picLocks noChangeAspect="1"/>
+          </p:cNvPicPr>
+          <p:nvPr/>
+        </p:nvPicPr>
+        <p:blipFill>
+          <a:blip r:embed="rId4"/>
+          <a:stretch>
+            <a:fillRect/>
+          </a:stretch>
+        </p:blipFill>
+        <p:spPr>
+          <a:xfrm>
+            <a:off x="6299200" y="0"/>
+            <a:ext cx="6650492" cy="3673286"/>
+          </a:xfrm>
+          <a:prstGeom prst="rect">
+            <a:avLst/>
+          </a:prstGeom>
+        </p:spPr>
+      </p:pic>
+    </p:spTree>
+    <p:extLst>
+      <p:ext uri="{BB962C8B-B14F-4D97-AF65-F5344CB8AC3E}">
+        <p14:creationId xmlns:p14="http://schemas.microsoft.com/office/powerpoint/2010/main" val="1496889144"/>
       </p:ext>
     </p:extLst>
   </p:cSld>
